--- a/Presentation1.pptx
+++ b/Presentation1.pptx
@@ -10,7 +10,9 @@
     <p:sldId id="258" r:id="rId5"/>
     <p:sldId id="261" r:id="rId6"/>
     <p:sldId id="259" r:id="rId7"/>
-    <p:sldId id="260" r:id="rId8"/>
+    <p:sldId id="262" r:id="rId8"/>
+    <p:sldId id="260" r:id="rId9"/>
+    <p:sldId id="264" r:id="rId10"/>
   </p:sldIdLst>
   <p:sldSz cx="12192000" cy="6858000"/>
   <p:notesSz cx="6858000" cy="9144000"/>
@@ -3097,28 +3099,33 @@
             <p:ph type="ctrTitle"/>
           </p:nvPr>
         </p:nvSpPr>
-        <p:spPr/>
-        <p:txBody>
-          <a:bodyPr/>
-          <a:p>
-            <a:endParaRPr lang="en-US"/>
-          </a:p>
-        </p:txBody>
-      </p:sp>
-      <p:sp>
-        <p:nvSpPr>
-          <p:cNvPr id="3" name="Subtitle 2"/>
-          <p:cNvSpPr>
-            <a:spLocks noGrp="1"/>
-          </p:cNvSpPr>
-          <p:nvPr>
-            <p:ph type="subTitle" idx="1"/>
-          </p:nvPr>
-        </p:nvSpPr>
-        <p:spPr/>
-        <p:txBody>
-          <a:bodyPr/>
-          <a:p>
+        <p:spPr>
+          <a:xfrm>
+            <a:off x="763905" y="393065"/>
+            <a:ext cx="10816590" cy="5944870"/>
+          </a:xfrm>
+        </p:spPr>
+        <p:txBody>
+          <a:bodyPr/>
+          <a:p>
+            <a:r>
+              <a:rPr lang="en-US"/>
+              <a:t>QUIC protocol</a:t>
+            </a:r>
+            <a:br>
+              <a:rPr lang="en-US"/>
+            </a:br>
+            <a:r>
+              <a:rPr lang="en-US"/>
+              <a:t>Partha sarathi Reddy</a:t>
+            </a:r>
+            <a:br>
+              <a:rPr lang="en-US"/>
+            </a:br>
+            <a:r>
+              <a:rPr lang="en-US"/>
+              <a:t>Under the </a:t>
+            </a:r>
             <a:endParaRPr lang="en-US"/>
           </a:p>
         </p:txBody>
@@ -3730,7 +3737,7 @@
         </p:spPr>
         <p:txBody>
           <a:bodyPr>
-            <a:normAutofit/>
+            <a:normAutofit lnSpcReduction="20000"/>
           </a:bodyPr>
           <a:p>
             <a:r>
@@ -3746,7 +3753,25 @@
                   <a:srgbClr val="FFFF00"/>
                 </a:highlight>
               </a:rPr>
-              <a:t>ServerConnectionConfig serverConnectionConfig = ServerConnectionConfig.builder().build();</a:t>
+              <a:t>ServerConnectionConfig serverConnectionConfig = </a:t>
+            </a:r>
+            <a:endParaRPr lang="en-US">
+              <a:highlight>
+                <a:srgbClr val="FFFF00"/>
+              </a:highlight>
+            </a:endParaRPr>
+          </a:p>
+          <a:p>
+            <a:pPr marL="0" indent="0">
+              <a:buNone/>
+            </a:pPr>
+            <a:r>
+              <a:rPr lang="en-US">
+                <a:highlight>
+                  <a:srgbClr val="FFFF00"/>
+                </a:highlight>
+              </a:rPr>
+              <a:t>   ServerConnectionConfig.builder().build();</a:t>
             </a:r>
             <a:r>
               <a:rPr lang="en-US"/>
@@ -3759,8 +3784,34 @@
           </a:p>
           <a:p>
             <a:r>
+              <a:rPr lang="en-US">
+                <a:highlight>
+                  <a:srgbClr val="FFFF00"/>
+                </a:highlight>
+              </a:rPr>
+              <a:t>ServerConnector serverConnector = ServerConnector.builder().build()</a:t>
+            </a:r>
+            <a:r>
               <a:rPr lang="en-US"/>
-              <a:t>ServerConnector serverConnector = ServerConnector.builder().build() -&gt;  </a:t>
+              <a:t> -&gt;  It estalish a QUIC server.</a:t>
+            </a:r>
+            <a:endParaRPr lang="en-US"/>
+          </a:p>
+          <a:p>
+            <a:endParaRPr lang="en-US"/>
+          </a:p>
+          <a:p>
+            <a:r>
+              <a:rPr lang="en-US">
+                <a:highlight>
+                  <a:srgbClr val="FFFF00"/>
+                </a:highlight>
+              </a:rPr>
+              <a:t>serverConnector.registerApplicationProtocol(“protocol name”);</a:t>
+            </a:r>
+            <a:r>
+              <a:rPr lang="en-US"/>
+              <a:t> -&gt; registers the factory for the HTTP/3 protocol. This allows the serverto handle HTTP/3 connections.</a:t>
             </a:r>
             <a:endParaRPr lang="en-US"/>
           </a:p>
@@ -3789,6 +3840,67 @@
       <p:grpSpPr/>
       <p:sp>
         <p:nvSpPr>
+          <p:cNvPr id="5" name="Content Placeholder 4"/>
+          <p:cNvSpPr>
+            <a:spLocks noGrp="1"/>
+          </p:cNvSpPr>
+          <p:nvPr>
+            <p:ph idx="1"/>
+          </p:nvPr>
+        </p:nvSpPr>
+        <p:spPr/>
+        <p:txBody>
+          <a:bodyPr/>
+          <a:p>
+            <a:r>
+              <a:rPr lang="en-US">
+                <a:highlight>
+                  <a:srgbClr val="FFFF00"/>
+                </a:highlight>
+              </a:rPr>
+              <a:t>ApplicationProtocolConnectionFactory</a:t>
+            </a:r>
+            <a:r>
+              <a:rPr lang="en-US"/>
+              <a:t> -&gt; create connection using a specific application protocol.</a:t>
+            </a:r>
+            <a:endParaRPr lang="en-US"/>
+          </a:p>
+          <a:p>
+            <a:endParaRPr lang="en-US"/>
+          </a:p>
+          <a:p>
+            <a:r>
+              <a:rPr lang="en-US"/>
+              <a:t>ApplicationProtocolConnection() -&gt; handle incoming QUIC connections. </a:t>
+            </a:r>
+            <a:endParaRPr lang="en-US"/>
+          </a:p>
+          <a:p>
+            <a:endParaRPr lang="en-US"/>
+          </a:p>
+        </p:txBody>
+      </p:sp>
+    </p:spTree>
+  </p:cSld>
+  <p:clrMapOvr>
+    <a:masterClrMapping/>
+  </p:clrMapOvr>
+</p:sld>
+</file>
+
+<file path=ppt/slides/slide7.xml><?xml version="1.0" encoding="utf-8"?>
+<p:sld xmlns:a="http://schemas.openxmlformats.org/drawingml/2006/main" xmlns:r="http://schemas.openxmlformats.org/officeDocument/2006/relationships" xmlns:p="http://schemas.openxmlformats.org/presentationml/2006/main">
+  <p:cSld>
+    <p:spTree>
+      <p:nvGrpSpPr>
+        <p:cNvPr id="1" name=""/>
+        <p:cNvGrpSpPr/>
+        <p:nvPr/>
+      </p:nvGrpSpPr>
+      <p:grpSpPr/>
+      <p:sp>
+        <p:nvSpPr>
           <p:cNvPr id="2" name="Title 1"/>
           <p:cNvSpPr>
             <a:spLocks noGrp="1"/>
@@ -3822,9 +3934,133 @@
         </p:nvSpPr>
         <p:spPr/>
         <p:txBody>
-          <a:bodyPr/>
-          <a:p>
-            <a:endParaRPr lang="en-US"/>
+          <a:bodyPr>
+            <a:normAutofit lnSpcReduction="20000"/>
+          </a:bodyPr>
+          <a:p>
+            <a:r>
+              <a:rPr lang="en-US"/>
+              <a:t>webRTC</a:t>
+            </a:r>
+            <a:endParaRPr lang="en-US"/>
+          </a:p>
+          <a:p>
+            <a:pPr lvl="1"/>
+            <a:r>
+              <a:rPr lang="en-US"/>
+              <a:t>un-reliable</a:t>
+            </a:r>
+            <a:endParaRPr lang="en-US"/>
+          </a:p>
+          <a:p>
+            <a:pPr lvl="1"/>
+            <a:r>
+              <a:rPr lang="en-US"/>
+              <a:t>No signaling server(For signaling depend on others).</a:t>
+            </a:r>
+            <a:endParaRPr lang="en-US"/>
+          </a:p>
+          <a:p>
+            <a:pPr lvl="1"/>
+            <a:r>
+              <a:rPr lang="en-US"/>
+              <a:t>Two peers connected using IP and Port.</a:t>
+            </a:r>
+            <a:endParaRPr lang="en-US"/>
+          </a:p>
+          <a:p>
+            <a:pPr lvl="1"/>
+            <a:r>
+              <a:rPr lang="en-US"/>
+              <a:t>Slow data transfer compare with “QUIC”.</a:t>
+            </a:r>
+            <a:endParaRPr lang="en-US"/>
+          </a:p>
+          <a:p>
+            <a:pPr lvl="0"/>
+            <a:r>
+              <a:rPr lang="en-US"/>
+              <a:t>QUIC</a:t>
+            </a:r>
+            <a:endParaRPr lang="en-US"/>
+          </a:p>
+          <a:p>
+            <a:pPr lvl="1"/>
+            <a:r>
+              <a:rPr lang="en-US"/>
+              <a:t>reliable</a:t>
+            </a:r>
+            <a:endParaRPr lang="en-US"/>
+          </a:p>
+          <a:p>
+            <a:pPr lvl="1"/>
+            <a:r>
+              <a:rPr lang="en-US"/>
+              <a:t>Provide independent streams over one connection(Solve head-of-line problem).</a:t>
+            </a:r>
+            <a:endParaRPr lang="en-US"/>
+          </a:p>
+          <a:p>
+            <a:pPr lvl="1"/>
+            <a:r>
+              <a:rPr lang="en-US"/>
+              <a:t>Connected using “Connection Identifier”(A random number), It helps in “Connection migration”.</a:t>
+            </a:r>
+            <a:endParaRPr lang="en-US"/>
+          </a:p>
+          <a:p>
+            <a:pPr lvl="1"/>
+            <a:r>
+              <a:rPr lang="en-US"/>
+              <a:t>Fast data transfer compare with “WebRTC”.</a:t>
+            </a:r>
+            <a:endParaRPr lang="en-US"/>
+          </a:p>
+        </p:txBody>
+      </p:sp>
+    </p:spTree>
+  </p:cSld>
+  <p:clrMapOvr>
+    <a:masterClrMapping/>
+  </p:clrMapOvr>
+</p:sld>
+</file>
+
+<file path=ppt/slides/slide8.xml><?xml version="1.0" encoding="utf-8"?>
+<p:sld xmlns:a="http://schemas.openxmlformats.org/drawingml/2006/main" xmlns:r="http://schemas.openxmlformats.org/officeDocument/2006/relationships" xmlns:p="http://schemas.openxmlformats.org/presentationml/2006/main">
+  <p:cSld>
+    <p:spTree>
+      <p:nvGrpSpPr>
+        <p:cNvPr id="1" name=""/>
+        <p:cNvGrpSpPr/>
+        <p:nvPr/>
+      </p:nvGrpSpPr>
+      <p:grpSpPr/>
+      <p:sp>
+        <p:nvSpPr>
+          <p:cNvPr id="4" name="Title 3"/>
+          <p:cNvSpPr>
+            <a:spLocks noGrp="1"/>
+          </p:cNvSpPr>
+          <p:nvPr>
+            <p:ph type="title"/>
+          </p:nvPr>
+        </p:nvSpPr>
+        <p:spPr>
+          <a:xfrm>
+            <a:off x="838200" y="365125"/>
+            <a:ext cx="10515600" cy="6129655"/>
+          </a:xfrm>
+        </p:spPr>
+        <p:txBody>
+          <a:bodyPr/>
+          <a:p>
+            <a:pPr algn="ctr"/>
+            <a:r>
+              <a:rPr lang="en-US" sz="13800"/>
+              <a:t>Thank You.</a:t>
+            </a:r>
+            <a:endParaRPr lang="en-US" sz="13800"/>
           </a:p>
         </p:txBody>
       </p:sp>
